--- a/public/pptx/logo.pptx
+++ b/public/pptx/logo.pptx
@@ -6,6 +6,7 @@
   </p:sldMasterIdLst>
   <p:sldIdLst>
     <p:sldId id="256" r:id="rId2"/>
+    <p:sldId id="257" r:id="rId3"/>
   </p:sldIdLst>
   <p:sldSz cx="12192000" cy="6858000"/>
   <p:notesSz cx="6858000" cy="9144000"/>
@@ -104,6 +105,11 @@
       </a:defRPr>
     </a:lvl9pPr>
   </p:defaultTextStyle>
+  <p:extLst>
+    <p:ext uri="{EFAFB233-063F-42B5-8137-9DF3F51BA10A}">
+      <p15:sldGuideLst xmlns:p15="http://schemas.microsoft.com/office/powerpoint/2012/main"/>
+    </p:ext>
+  </p:extLst>
 </p:presentation>
 </file>
 
@@ -238,7 +244,7 @@
           <a:p>
             <a:fld id="{CEEA0810-ECF6-4469-9137-A4EA9D92DF61}" type="datetimeFigureOut">
               <a:rPr lang="en-US" smtClean="0"/>
-              <a:t>4/26/2022</a:t>
+              <a:t>5/17/2022</a:t>
             </a:fld>
             <a:endParaRPr lang="en-US"/>
           </a:p>
@@ -408,7 +414,7 @@
           <a:p>
             <a:fld id="{CEEA0810-ECF6-4469-9137-A4EA9D92DF61}" type="datetimeFigureOut">
               <a:rPr lang="en-US" smtClean="0"/>
-              <a:t>4/26/2022</a:t>
+              <a:t>5/17/2022</a:t>
             </a:fld>
             <a:endParaRPr lang="en-US"/>
           </a:p>
@@ -588,7 +594,7 @@
           <a:p>
             <a:fld id="{CEEA0810-ECF6-4469-9137-A4EA9D92DF61}" type="datetimeFigureOut">
               <a:rPr lang="en-US" smtClean="0"/>
-              <a:t>4/26/2022</a:t>
+              <a:t>5/17/2022</a:t>
             </a:fld>
             <a:endParaRPr lang="en-US"/>
           </a:p>
@@ -758,7 +764,7 @@
           <a:p>
             <a:fld id="{CEEA0810-ECF6-4469-9137-A4EA9D92DF61}" type="datetimeFigureOut">
               <a:rPr lang="en-US" smtClean="0"/>
-              <a:t>4/26/2022</a:t>
+              <a:t>5/17/2022</a:t>
             </a:fld>
             <a:endParaRPr lang="en-US"/>
           </a:p>
@@ -1004,7 +1010,7 @@
           <a:p>
             <a:fld id="{CEEA0810-ECF6-4469-9137-A4EA9D92DF61}" type="datetimeFigureOut">
               <a:rPr lang="en-US" smtClean="0"/>
-              <a:t>4/26/2022</a:t>
+              <a:t>5/17/2022</a:t>
             </a:fld>
             <a:endParaRPr lang="en-US"/>
           </a:p>
@@ -1236,7 +1242,7 @@
           <a:p>
             <a:fld id="{CEEA0810-ECF6-4469-9137-A4EA9D92DF61}" type="datetimeFigureOut">
               <a:rPr lang="en-US" smtClean="0"/>
-              <a:t>4/26/2022</a:t>
+              <a:t>5/17/2022</a:t>
             </a:fld>
             <a:endParaRPr lang="en-US"/>
           </a:p>
@@ -1603,7 +1609,7 @@
           <a:p>
             <a:fld id="{CEEA0810-ECF6-4469-9137-A4EA9D92DF61}" type="datetimeFigureOut">
               <a:rPr lang="en-US" smtClean="0"/>
-              <a:t>4/26/2022</a:t>
+              <a:t>5/17/2022</a:t>
             </a:fld>
             <a:endParaRPr lang="en-US"/>
           </a:p>
@@ -1721,7 +1727,7 @@
           <a:p>
             <a:fld id="{CEEA0810-ECF6-4469-9137-A4EA9D92DF61}" type="datetimeFigureOut">
               <a:rPr lang="en-US" smtClean="0"/>
-              <a:t>4/26/2022</a:t>
+              <a:t>5/17/2022</a:t>
             </a:fld>
             <a:endParaRPr lang="en-US"/>
           </a:p>
@@ -1816,7 +1822,7 @@
           <a:p>
             <a:fld id="{CEEA0810-ECF6-4469-9137-A4EA9D92DF61}" type="datetimeFigureOut">
               <a:rPr lang="en-US" smtClean="0"/>
-              <a:t>4/26/2022</a:t>
+              <a:t>5/17/2022</a:t>
             </a:fld>
             <a:endParaRPr lang="en-US"/>
           </a:p>
@@ -2093,7 +2099,7 @@
           <a:p>
             <a:fld id="{CEEA0810-ECF6-4469-9137-A4EA9D92DF61}" type="datetimeFigureOut">
               <a:rPr lang="en-US" smtClean="0"/>
-              <a:t>4/26/2022</a:t>
+              <a:t>5/17/2022</a:t>
             </a:fld>
             <a:endParaRPr lang="en-US"/>
           </a:p>
@@ -2346,7 +2352,7 @@
           <a:p>
             <a:fld id="{CEEA0810-ECF6-4469-9137-A4EA9D92DF61}" type="datetimeFigureOut">
               <a:rPr lang="en-US" smtClean="0"/>
-              <a:t>4/26/2022</a:t>
+              <a:t>5/17/2022</a:t>
             </a:fld>
             <a:endParaRPr lang="en-US"/>
           </a:p>
@@ -2559,7 +2565,7 @@
           <a:p>
             <a:fld id="{CEEA0810-ECF6-4469-9137-A4EA9D92DF61}" type="datetimeFigureOut">
               <a:rPr lang="en-US" smtClean="0"/>
-              <a:t>4/26/2022</a:t>
+              <a:t>5/17/2022</a:t>
             </a:fld>
             <a:endParaRPr lang="en-US"/>
           </a:p>
@@ -3272,6 +3278,168 @@
 </p:sld>
 </file>
 
+<file path=ppt/slides/slide2.xml><?xml version="1.0" encoding="utf-8"?>
+<p:sld xmlns:a="http://schemas.openxmlformats.org/drawingml/2006/main" xmlns:r="http://schemas.openxmlformats.org/officeDocument/2006/relationships" xmlns:p="http://schemas.openxmlformats.org/presentationml/2006/main">
+  <p:cSld>
+    <p:spTree>
+      <p:nvGrpSpPr>
+        <p:cNvPr id="1" name=""/>
+        <p:cNvGrpSpPr/>
+        <p:nvPr/>
+      </p:nvGrpSpPr>
+      <p:grpSpPr>
+        <a:xfrm>
+          <a:off x="0" y="0"/>
+          <a:ext cx="0" cy="0"/>
+          <a:chOff x="0" y="0"/>
+          <a:chExt cx="0" cy="0"/>
+        </a:xfrm>
+      </p:grpSpPr>
+      <p:sp>
+        <p:nvSpPr>
+          <p:cNvPr id="3" name="Rectangle 2"/>
+          <p:cNvSpPr/>
+          <p:nvPr/>
+        </p:nvSpPr>
+        <p:spPr>
+          <a:xfrm>
+            <a:off x="-1066800" y="-2006600"/>
+            <a:ext cx="17280000" cy="9072000"/>
+          </a:xfrm>
+          <a:prstGeom prst="rect">
+            <a:avLst/>
+          </a:prstGeom>
+          <a:solidFill>
+            <a:srgbClr val="F2F4F5"/>
+          </a:solidFill>
+          <a:ln>
+            <a:solidFill>
+              <a:srgbClr val="F2F4F5"/>
+            </a:solidFill>
+          </a:ln>
+        </p:spPr>
+        <p:style>
+          <a:lnRef idx="2">
+            <a:schemeClr val="accent1">
+              <a:shade val="50000"/>
+            </a:schemeClr>
+          </a:lnRef>
+          <a:fillRef idx="1">
+            <a:schemeClr val="accent1"/>
+          </a:fillRef>
+          <a:effectRef idx="0">
+            <a:schemeClr val="accent1"/>
+          </a:effectRef>
+          <a:fontRef idx="minor">
+            <a:schemeClr val="lt1"/>
+          </a:fontRef>
+        </p:style>
+        <p:txBody>
+          <a:bodyPr rtlCol="0" anchor="ctr"/>
+          <a:lstStyle/>
+          <a:p>
+            <a:pPr algn="ctr"/>
+            <a:endParaRPr lang="en-US"/>
+          </a:p>
+        </p:txBody>
+      </p:sp>
+      <p:pic>
+        <p:nvPicPr>
+          <p:cNvPr id="2" name="Picture 1"/>
+          <p:cNvPicPr>
+            <a:picLocks noChangeAspect="1"/>
+          </p:cNvPicPr>
+          <p:nvPr/>
+        </p:nvPicPr>
+        <p:blipFill>
+          <a:blip r:embed="rId2">
+            <a:extLst>
+              <a:ext uri="{28A0092B-C50C-407E-A947-70E740481C1C}">
+                <a14:useLocalDpi xmlns:a14="http://schemas.microsoft.com/office/drawing/2010/main" val="0"/>
+              </a:ext>
+            </a:extLst>
+          </a:blip>
+          <a:stretch>
+            <a:fillRect/>
+          </a:stretch>
+        </p:blipFill>
+        <p:spPr>
+          <a:xfrm>
+            <a:off x="-1066800" y="345000"/>
+            <a:ext cx="8737600" cy="4368800"/>
+          </a:xfrm>
+          <a:prstGeom prst="rect">
+            <a:avLst/>
+          </a:prstGeom>
+        </p:spPr>
+      </p:pic>
+      <p:sp>
+        <p:nvSpPr>
+          <p:cNvPr id="4" name="TextBox 3"/>
+          <p:cNvSpPr txBox="1"/>
+          <p:nvPr/>
+        </p:nvSpPr>
+        <p:spPr>
+          <a:xfrm>
+            <a:off x="7573200" y="558816"/>
+            <a:ext cx="9057450" cy="4154984"/>
+          </a:xfrm>
+          <a:prstGeom prst="rect">
+            <a:avLst/>
+          </a:prstGeom>
+          <a:noFill/>
+        </p:spPr>
+        <p:txBody>
+          <a:bodyPr wrap="square" rtlCol="0">
+            <a:spAutoFit/>
+          </a:bodyPr>
+          <a:lstStyle/>
+          <a:p>
+            <a:r>
+              <a:rPr lang="en-US" sz="9600" b="1" dirty="0" smtClean="0">
+                <a:latin typeface="Agency FB" panose="020B0503020202020204" pitchFamily="34" charset="0"/>
+              </a:rPr>
+              <a:t>Elpis Portfolio</a:t>
+            </a:r>
+          </a:p>
+          <a:p>
+            <a:endParaRPr lang="en-US" sz="3600" b="1" dirty="0">
+              <a:latin typeface="Agency FB" panose="020B0503020202020204" pitchFamily="34" charset="0"/>
+            </a:endParaRPr>
+          </a:p>
+          <a:p>
+            <a:r>
+              <a:rPr lang="en-US" sz="6600" dirty="0" smtClean="0">
+                <a:latin typeface="Agency FB" panose="020B0503020202020204" pitchFamily="34" charset="0"/>
+              </a:rPr>
+              <a:t>Check out Festus portfolio and hire him</a:t>
+            </a:r>
+            <a:endParaRPr lang="en-US" sz="6600" dirty="0">
+              <a:latin typeface="Agency FB" panose="020B0503020202020204" pitchFamily="34" charset="0"/>
+            </a:endParaRPr>
+          </a:p>
+        </p:txBody>
+      </p:sp>
+    </p:spTree>
+    <p:extLst>
+      <p:ext uri="{BB962C8B-B14F-4D97-AF65-F5344CB8AC3E}">
+        <p14:creationId xmlns:p14="http://schemas.microsoft.com/office/powerpoint/2010/main" val="453730437"/>
+      </p:ext>
+    </p:extLst>
+  </p:cSld>
+  <p:clrMapOvr>
+    <a:masterClrMapping/>
+  </p:clrMapOvr>
+  <p:timing>
+    <p:tnLst>
+      <p:par>
+        <p:cTn id="1" dur="indefinite" restart="never" nodeType="tmRoot"/>
+      </p:par>
+    </p:tnLst>
+  </p:timing>
+</p:sld>
+</file>
+
 <file path=ppt/theme/theme1.xml><?xml version="1.0" encoding="utf-8"?>
 <a:theme xmlns:a="http://schemas.openxmlformats.org/drawingml/2006/main" name="Office Theme">
   <a:themeElements>

--- a/public/pptx/logo.pptx
+++ b/public/pptx/logo.pptx
@@ -244,7 +244,7 @@
           <a:p>
             <a:fld id="{CEEA0810-ECF6-4469-9137-A4EA9D92DF61}" type="datetimeFigureOut">
               <a:rPr lang="en-US" smtClean="0"/>
-              <a:t>5/17/2022</a:t>
+              <a:t>6/20/2022</a:t>
             </a:fld>
             <a:endParaRPr lang="en-US"/>
           </a:p>
@@ -414,7 +414,7 @@
           <a:p>
             <a:fld id="{CEEA0810-ECF6-4469-9137-A4EA9D92DF61}" type="datetimeFigureOut">
               <a:rPr lang="en-US" smtClean="0"/>
-              <a:t>5/17/2022</a:t>
+              <a:t>6/20/2022</a:t>
             </a:fld>
             <a:endParaRPr lang="en-US"/>
           </a:p>
@@ -594,7 +594,7 @@
           <a:p>
             <a:fld id="{CEEA0810-ECF6-4469-9137-A4EA9D92DF61}" type="datetimeFigureOut">
               <a:rPr lang="en-US" smtClean="0"/>
-              <a:t>5/17/2022</a:t>
+              <a:t>6/20/2022</a:t>
             </a:fld>
             <a:endParaRPr lang="en-US"/>
           </a:p>
@@ -764,7 +764,7 @@
           <a:p>
             <a:fld id="{CEEA0810-ECF6-4469-9137-A4EA9D92DF61}" type="datetimeFigureOut">
               <a:rPr lang="en-US" smtClean="0"/>
-              <a:t>5/17/2022</a:t>
+              <a:t>6/20/2022</a:t>
             </a:fld>
             <a:endParaRPr lang="en-US"/>
           </a:p>
@@ -1010,7 +1010,7 @@
           <a:p>
             <a:fld id="{CEEA0810-ECF6-4469-9137-A4EA9D92DF61}" type="datetimeFigureOut">
               <a:rPr lang="en-US" smtClean="0"/>
-              <a:t>5/17/2022</a:t>
+              <a:t>6/20/2022</a:t>
             </a:fld>
             <a:endParaRPr lang="en-US"/>
           </a:p>
@@ -1242,7 +1242,7 @@
           <a:p>
             <a:fld id="{CEEA0810-ECF6-4469-9137-A4EA9D92DF61}" type="datetimeFigureOut">
               <a:rPr lang="en-US" smtClean="0"/>
-              <a:t>5/17/2022</a:t>
+              <a:t>6/20/2022</a:t>
             </a:fld>
             <a:endParaRPr lang="en-US"/>
           </a:p>
@@ -1609,7 +1609,7 @@
           <a:p>
             <a:fld id="{CEEA0810-ECF6-4469-9137-A4EA9D92DF61}" type="datetimeFigureOut">
               <a:rPr lang="en-US" smtClean="0"/>
-              <a:t>5/17/2022</a:t>
+              <a:t>6/20/2022</a:t>
             </a:fld>
             <a:endParaRPr lang="en-US"/>
           </a:p>
@@ -1727,7 +1727,7 @@
           <a:p>
             <a:fld id="{CEEA0810-ECF6-4469-9137-A4EA9D92DF61}" type="datetimeFigureOut">
               <a:rPr lang="en-US" smtClean="0"/>
-              <a:t>5/17/2022</a:t>
+              <a:t>6/20/2022</a:t>
             </a:fld>
             <a:endParaRPr lang="en-US"/>
           </a:p>
@@ -1822,7 +1822,7 @@
           <a:p>
             <a:fld id="{CEEA0810-ECF6-4469-9137-A4EA9D92DF61}" type="datetimeFigureOut">
               <a:rPr lang="en-US" smtClean="0"/>
-              <a:t>5/17/2022</a:t>
+              <a:t>6/20/2022</a:t>
             </a:fld>
             <a:endParaRPr lang="en-US"/>
           </a:p>
@@ -2099,7 +2099,7 @@
           <a:p>
             <a:fld id="{CEEA0810-ECF6-4469-9137-A4EA9D92DF61}" type="datetimeFigureOut">
               <a:rPr lang="en-US" smtClean="0"/>
-              <a:t>5/17/2022</a:t>
+              <a:t>6/20/2022</a:t>
             </a:fld>
             <a:endParaRPr lang="en-US"/>
           </a:p>
@@ -2352,7 +2352,7 @@
           <a:p>
             <a:fld id="{CEEA0810-ECF6-4469-9137-A4EA9D92DF61}" type="datetimeFigureOut">
               <a:rPr lang="en-US" smtClean="0"/>
-              <a:t>5/17/2022</a:t>
+              <a:t>6/20/2022</a:t>
             </a:fld>
             <a:endParaRPr lang="en-US"/>
           </a:p>
@@ -2565,7 +2565,7 @@
           <a:p>
             <a:fld id="{CEEA0810-ECF6-4469-9137-A4EA9D92DF61}" type="datetimeFigureOut">
               <a:rPr lang="en-US" smtClean="0"/>
-              <a:t>5/17/2022</a:t>
+              <a:t>6/20/2022</a:t>
             </a:fld>
             <a:endParaRPr lang="en-US"/>
           </a:p>
@@ -3381,8 +3381,8 @@
         </p:nvSpPr>
         <p:spPr>
           <a:xfrm>
-            <a:off x="7573200" y="558816"/>
-            <a:ext cx="9057450" cy="4154984"/>
+            <a:off x="7344698" y="821240"/>
+            <a:ext cx="8868502" cy="3754874"/>
           </a:xfrm>
           <a:prstGeom prst="rect">
             <a:avLst/>
@@ -3396,26 +3396,94 @@
           <a:lstStyle/>
           <a:p>
             <a:r>
-              <a:rPr lang="en-US" sz="9600" b="1" dirty="0" smtClean="0">
-                <a:latin typeface="Agency FB" panose="020B0503020202020204" pitchFamily="34" charset="0"/>
+              <a:rPr lang="en-US" sz="13800" b="1" dirty="0" smtClean="0">
+                <a:ln w="9525">
+                  <a:solidFill>
+                    <a:schemeClr val="bg1">
+                      <a:lumMod val="85000"/>
+                    </a:schemeClr>
+                  </a:solidFill>
+                  <a:prstDash val="solid"/>
+                </a:ln>
+                <a:effectLst>
+                  <a:outerShdw blurRad="12700" dist="38100" dir="2700000" algn="tl" rotWithShape="0">
+                    <a:schemeClr val="bg1">
+                      <a:lumMod val="50000"/>
+                    </a:schemeClr>
+                  </a:outerShdw>
+                </a:effectLst>
+                <a:latin typeface="French Script MT" panose="03020402040607040605" pitchFamily="66" charset="0"/>
+                <a:ea typeface="iekie Goth" pitchFamily="2" charset="0"/>
+                <a:cs typeface="iekie Goth" pitchFamily="2" charset="0"/>
               </a:rPr>
-              <a:t>Elpis Portfolio</a:t>
-            </a:r>
-          </a:p>
-          <a:p>
-            <a:endParaRPr lang="en-US" sz="3600" b="1" dirty="0">
-              <a:latin typeface="Agency FB" panose="020B0503020202020204" pitchFamily="34" charset="0"/>
+              <a:t>I’m Elpis</a:t>
+            </a:r>
+          </a:p>
+          <a:p>
+            <a:endParaRPr lang="en-US" sz="2800" b="1" dirty="0" smtClean="0">
+              <a:ln w="9525">
+                <a:solidFill>
+                  <a:schemeClr val="bg1">
+                    <a:lumMod val="85000"/>
+                  </a:schemeClr>
+                </a:solidFill>
+                <a:prstDash val="solid"/>
+              </a:ln>
+              <a:effectLst>
+                <a:outerShdw blurRad="12700" dist="38100" dir="2700000" algn="tl" rotWithShape="0">
+                  <a:schemeClr val="bg1">
+                    <a:lumMod val="50000"/>
+                  </a:schemeClr>
+                </a:outerShdw>
+              </a:effectLst>
+              <a:latin typeface="French Script MT" panose="03020402040607040605" pitchFamily="66" charset="0"/>
+              <a:ea typeface="iekie Goth" pitchFamily="2" charset="0"/>
+              <a:cs typeface="iekie Goth" pitchFamily="2" charset="0"/>
             </a:endParaRPr>
           </a:p>
           <a:p>
             <a:r>
-              <a:rPr lang="en-US" sz="6600" dirty="0" smtClean="0">
-                <a:latin typeface="Agency FB" panose="020B0503020202020204" pitchFamily="34" charset="0"/>
+              <a:rPr lang="en-US" sz="7200" b="1" dirty="0" smtClean="0">
+                <a:ln w="9525">
+                  <a:solidFill>
+                    <a:schemeClr val="bg1">
+                      <a:lumMod val="85000"/>
+                    </a:schemeClr>
+                  </a:solidFill>
+                  <a:prstDash val="solid"/>
+                </a:ln>
+                <a:effectLst>
+                  <a:outerShdw blurRad="12700" dist="38100" dir="2700000" algn="tl" rotWithShape="0">
+                    <a:schemeClr val="bg1">
+                      <a:lumMod val="50000"/>
+                    </a:schemeClr>
+                  </a:outerShdw>
+                </a:effectLst>
+                <a:latin typeface="French Script MT" panose="03020402040607040605" pitchFamily="66" charset="0"/>
+                <a:ea typeface="iekie Goth" pitchFamily="2" charset="0"/>
+                <a:cs typeface="iekie Goth" pitchFamily="2" charset="0"/>
               </a:rPr>
-              <a:t>Check out Festus portfolio and hire him</a:t>
-            </a:r>
-            <a:endParaRPr lang="en-US" sz="6600" dirty="0">
-              <a:latin typeface="Agency FB" panose="020B0503020202020204" pitchFamily="34" charset="0"/>
+              <a:t>A Full Stack Web Developer</a:t>
+            </a:r>
+            <a:endParaRPr lang="en-US" sz="8000" b="1" dirty="0">
+              <a:ln w="9525">
+                <a:solidFill>
+                  <a:schemeClr val="bg1">
+                    <a:lumMod val="85000"/>
+                  </a:schemeClr>
+                </a:solidFill>
+                <a:prstDash val="solid"/>
+              </a:ln>
+              <a:effectLst>
+                <a:outerShdw blurRad="12700" dist="38100" dir="2700000" algn="tl" rotWithShape="0">
+                  <a:schemeClr val="bg1">
+                    <a:lumMod val="50000"/>
+                  </a:schemeClr>
+                </a:outerShdw>
+              </a:effectLst>
+              <a:latin typeface="French Script MT" panose="03020402040607040605" pitchFamily="66" charset="0"/>
+              <a:ea typeface="iekie Goth" pitchFamily="2" charset="0"/>
+              <a:cs typeface="iekie Goth" pitchFamily="2" charset="0"/>
             </a:endParaRPr>
           </a:p>
         </p:txBody>

--- a/public/pptx/logo.pptx
+++ b/public/pptx/logo.pptx
@@ -7,6 +7,10 @@
   <p:sldIdLst>
     <p:sldId id="256" r:id="rId2"/>
     <p:sldId id="257" r:id="rId3"/>
+    <p:sldId id="258" r:id="rId4"/>
+    <p:sldId id="259" r:id="rId5"/>
+    <p:sldId id="260" r:id="rId6"/>
+    <p:sldId id="261" r:id="rId7"/>
   </p:sldIdLst>
   <p:sldSz cx="12192000" cy="6858000"/>
   <p:notesSz cx="6858000" cy="9144000"/>
@@ -244,7 +248,7 @@
           <a:p>
             <a:fld id="{CEEA0810-ECF6-4469-9137-A4EA9D92DF61}" type="datetimeFigureOut">
               <a:rPr lang="en-US" smtClean="0"/>
-              <a:t>6/20/2022</a:t>
+              <a:t>7/27/2022</a:t>
             </a:fld>
             <a:endParaRPr lang="en-US"/>
           </a:p>
@@ -414,7 +418,7 @@
           <a:p>
             <a:fld id="{CEEA0810-ECF6-4469-9137-A4EA9D92DF61}" type="datetimeFigureOut">
               <a:rPr lang="en-US" smtClean="0"/>
-              <a:t>6/20/2022</a:t>
+              <a:t>7/27/2022</a:t>
             </a:fld>
             <a:endParaRPr lang="en-US"/>
           </a:p>
@@ -594,7 +598,7 @@
           <a:p>
             <a:fld id="{CEEA0810-ECF6-4469-9137-A4EA9D92DF61}" type="datetimeFigureOut">
               <a:rPr lang="en-US" smtClean="0"/>
-              <a:t>6/20/2022</a:t>
+              <a:t>7/27/2022</a:t>
             </a:fld>
             <a:endParaRPr lang="en-US"/>
           </a:p>
@@ -764,7 +768,7 @@
           <a:p>
             <a:fld id="{CEEA0810-ECF6-4469-9137-A4EA9D92DF61}" type="datetimeFigureOut">
               <a:rPr lang="en-US" smtClean="0"/>
-              <a:t>6/20/2022</a:t>
+              <a:t>7/27/2022</a:t>
             </a:fld>
             <a:endParaRPr lang="en-US"/>
           </a:p>
@@ -1010,7 +1014,7 @@
           <a:p>
             <a:fld id="{CEEA0810-ECF6-4469-9137-A4EA9D92DF61}" type="datetimeFigureOut">
               <a:rPr lang="en-US" smtClean="0"/>
-              <a:t>6/20/2022</a:t>
+              <a:t>7/27/2022</a:t>
             </a:fld>
             <a:endParaRPr lang="en-US"/>
           </a:p>
@@ -1242,7 +1246,7 @@
           <a:p>
             <a:fld id="{CEEA0810-ECF6-4469-9137-A4EA9D92DF61}" type="datetimeFigureOut">
               <a:rPr lang="en-US" smtClean="0"/>
-              <a:t>6/20/2022</a:t>
+              <a:t>7/27/2022</a:t>
             </a:fld>
             <a:endParaRPr lang="en-US"/>
           </a:p>
@@ -1609,7 +1613,7 @@
           <a:p>
             <a:fld id="{CEEA0810-ECF6-4469-9137-A4EA9D92DF61}" type="datetimeFigureOut">
               <a:rPr lang="en-US" smtClean="0"/>
-              <a:t>6/20/2022</a:t>
+              <a:t>7/27/2022</a:t>
             </a:fld>
             <a:endParaRPr lang="en-US"/>
           </a:p>
@@ -1727,7 +1731,7 @@
           <a:p>
             <a:fld id="{CEEA0810-ECF6-4469-9137-A4EA9D92DF61}" type="datetimeFigureOut">
               <a:rPr lang="en-US" smtClean="0"/>
-              <a:t>6/20/2022</a:t>
+              <a:t>7/27/2022</a:t>
             </a:fld>
             <a:endParaRPr lang="en-US"/>
           </a:p>
@@ -1822,7 +1826,7 @@
           <a:p>
             <a:fld id="{CEEA0810-ECF6-4469-9137-A4EA9D92DF61}" type="datetimeFigureOut">
               <a:rPr lang="en-US" smtClean="0"/>
-              <a:t>6/20/2022</a:t>
+              <a:t>7/27/2022</a:t>
             </a:fld>
             <a:endParaRPr lang="en-US"/>
           </a:p>
@@ -2099,7 +2103,7 @@
           <a:p>
             <a:fld id="{CEEA0810-ECF6-4469-9137-A4EA9D92DF61}" type="datetimeFigureOut">
               <a:rPr lang="en-US" smtClean="0"/>
-              <a:t>6/20/2022</a:t>
+              <a:t>7/27/2022</a:t>
             </a:fld>
             <a:endParaRPr lang="en-US"/>
           </a:p>
@@ -2352,7 +2356,7 @@
           <a:p>
             <a:fld id="{CEEA0810-ECF6-4469-9137-A4EA9D92DF61}" type="datetimeFigureOut">
               <a:rPr lang="en-US" smtClean="0"/>
-              <a:t>6/20/2022</a:t>
+              <a:t>7/27/2022</a:t>
             </a:fld>
             <a:endParaRPr lang="en-US"/>
           </a:p>
@@ -2565,7 +2569,7 @@
           <a:p>
             <a:fld id="{CEEA0810-ECF6-4469-9137-A4EA9D92DF61}" type="datetimeFigureOut">
               <a:rPr lang="en-US" smtClean="0"/>
-              <a:t>6/20/2022</a:t>
+              <a:t>7/27/2022</a:t>
             </a:fld>
             <a:endParaRPr lang="en-US"/>
           </a:p>
@@ -3508,6 +3512,926 @@
 </p:sld>
 </file>
 
+<file path=ppt/slides/slide3.xml><?xml version="1.0" encoding="utf-8"?>
+<p:sld xmlns:a="http://schemas.openxmlformats.org/drawingml/2006/main" xmlns:r="http://schemas.openxmlformats.org/officeDocument/2006/relationships" xmlns:p="http://schemas.openxmlformats.org/presentationml/2006/main">
+  <p:cSld>
+    <p:spTree>
+      <p:nvGrpSpPr>
+        <p:cNvPr id="1" name=""/>
+        <p:cNvGrpSpPr/>
+        <p:nvPr/>
+      </p:nvGrpSpPr>
+      <p:grpSpPr>
+        <a:xfrm>
+          <a:off x="0" y="0"/>
+          <a:ext cx="0" cy="0"/>
+          <a:chOff x="0" y="0"/>
+          <a:chExt cx="0" cy="0"/>
+        </a:xfrm>
+      </p:grpSpPr>
+      <p:sp>
+        <p:nvSpPr>
+          <p:cNvPr id="3" name="Rectangle 2"/>
+          <p:cNvSpPr/>
+          <p:nvPr/>
+        </p:nvSpPr>
+        <p:spPr>
+          <a:xfrm>
+            <a:off x="-1066800" y="-2006600"/>
+            <a:ext cx="17280000" cy="9072000"/>
+          </a:xfrm>
+          <a:prstGeom prst="rect">
+            <a:avLst/>
+          </a:prstGeom>
+          <a:solidFill>
+            <a:srgbClr val="F2F4F5"/>
+          </a:solidFill>
+          <a:ln>
+            <a:solidFill>
+              <a:srgbClr val="F2F4F5"/>
+            </a:solidFill>
+          </a:ln>
+        </p:spPr>
+        <p:style>
+          <a:lnRef idx="2">
+            <a:schemeClr val="accent1">
+              <a:shade val="50000"/>
+            </a:schemeClr>
+          </a:lnRef>
+          <a:fillRef idx="1">
+            <a:schemeClr val="accent1"/>
+          </a:fillRef>
+          <a:effectRef idx="0">
+            <a:schemeClr val="accent1"/>
+          </a:effectRef>
+          <a:fontRef idx="minor">
+            <a:schemeClr val="lt1"/>
+          </a:fontRef>
+        </p:style>
+        <p:txBody>
+          <a:bodyPr rtlCol="0" anchor="ctr"/>
+          <a:lstStyle/>
+          <a:p>
+            <a:pPr algn="ctr"/>
+            <a:endParaRPr lang="en-US"/>
+          </a:p>
+        </p:txBody>
+      </p:sp>
+      <p:pic>
+        <p:nvPicPr>
+          <p:cNvPr id="2" name="Picture 1"/>
+          <p:cNvPicPr>
+            <a:picLocks noChangeAspect="1"/>
+          </p:cNvPicPr>
+          <p:nvPr/>
+        </p:nvPicPr>
+        <p:blipFill>
+          <a:blip r:embed="rId2">
+            <a:extLst>
+              <a:ext uri="{28A0092B-C50C-407E-A947-70E740481C1C}">
+                <a14:useLocalDpi xmlns:a14="http://schemas.microsoft.com/office/drawing/2010/main" val="0"/>
+              </a:ext>
+            </a:extLst>
+          </a:blip>
+          <a:stretch>
+            <a:fillRect/>
+          </a:stretch>
+        </p:blipFill>
+        <p:spPr>
+          <a:xfrm>
+            <a:off x="-1066800" y="345000"/>
+            <a:ext cx="8737600" cy="4368800"/>
+          </a:xfrm>
+          <a:prstGeom prst="rect">
+            <a:avLst/>
+          </a:prstGeom>
+        </p:spPr>
+      </p:pic>
+      <p:sp>
+        <p:nvSpPr>
+          <p:cNvPr id="4" name="TextBox 3"/>
+          <p:cNvSpPr txBox="1"/>
+          <p:nvPr/>
+        </p:nvSpPr>
+        <p:spPr>
+          <a:xfrm>
+            <a:off x="7344698" y="821240"/>
+            <a:ext cx="8868502" cy="3754874"/>
+          </a:xfrm>
+          <a:prstGeom prst="rect">
+            <a:avLst/>
+          </a:prstGeom>
+          <a:noFill/>
+        </p:spPr>
+        <p:txBody>
+          <a:bodyPr wrap="square" rtlCol="0">
+            <a:spAutoFit/>
+          </a:bodyPr>
+          <a:lstStyle/>
+          <a:p>
+            <a:r>
+              <a:rPr lang="en-US" sz="13800" b="1" dirty="0" smtClean="0">
+                <a:ln w="9525">
+                  <a:solidFill>
+                    <a:schemeClr val="bg1">
+                      <a:lumMod val="85000"/>
+                    </a:schemeClr>
+                  </a:solidFill>
+                  <a:prstDash val="solid"/>
+                </a:ln>
+                <a:effectLst>
+                  <a:outerShdw blurRad="12700" dist="38100" dir="2700000" algn="tl" rotWithShape="0">
+                    <a:schemeClr val="bg1">
+                      <a:lumMod val="50000"/>
+                    </a:schemeClr>
+                  </a:outerShdw>
+                </a:effectLst>
+                <a:latin typeface="French Script MT" panose="03020402040607040605" pitchFamily="66" charset="0"/>
+                <a:ea typeface="iekie Goth" pitchFamily="2" charset="0"/>
+                <a:cs typeface="iekie Goth" pitchFamily="2" charset="0"/>
+              </a:rPr>
+              <a:t>I’m Elpis</a:t>
+            </a:r>
+          </a:p>
+          <a:p>
+            <a:endParaRPr lang="en-US" sz="2800" b="1" dirty="0" smtClean="0">
+              <a:ln w="9525">
+                <a:solidFill>
+                  <a:schemeClr val="bg1">
+                    <a:lumMod val="85000"/>
+                  </a:schemeClr>
+                </a:solidFill>
+                <a:prstDash val="solid"/>
+              </a:ln>
+              <a:effectLst>
+                <a:outerShdw blurRad="12700" dist="38100" dir="2700000" algn="tl" rotWithShape="0">
+                  <a:schemeClr val="bg1">
+                    <a:lumMod val="50000"/>
+                  </a:schemeClr>
+                </a:outerShdw>
+              </a:effectLst>
+              <a:latin typeface="French Script MT" panose="03020402040607040605" pitchFamily="66" charset="0"/>
+              <a:ea typeface="iekie Goth" pitchFamily="2" charset="0"/>
+              <a:cs typeface="iekie Goth" pitchFamily="2" charset="0"/>
+            </a:endParaRPr>
+          </a:p>
+          <a:p>
+            <a:r>
+              <a:rPr lang="en-US" sz="7200" b="1" dirty="0" smtClean="0">
+                <a:ln w="9525">
+                  <a:solidFill>
+                    <a:schemeClr val="bg1">
+                      <a:lumMod val="85000"/>
+                    </a:schemeClr>
+                  </a:solidFill>
+                  <a:prstDash val="solid"/>
+                </a:ln>
+                <a:effectLst>
+                  <a:outerShdw blurRad="12700" dist="38100" dir="2700000" algn="tl" rotWithShape="0">
+                    <a:schemeClr val="bg1">
+                      <a:lumMod val="50000"/>
+                    </a:schemeClr>
+                  </a:outerShdw>
+                </a:effectLst>
+                <a:latin typeface="French Script MT" panose="03020402040607040605" pitchFamily="66" charset="0"/>
+                <a:ea typeface="iekie Goth" pitchFamily="2" charset="0"/>
+                <a:cs typeface="iekie Goth" pitchFamily="2" charset="0"/>
+              </a:rPr>
+              <a:t>Check out my various projects</a:t>
+            </a:r>
+            <a:endParaRPr lang="en-US" sz="8000" b="1" dirty="0">
+              <a:ln w="9525">
+                <a:solidFill>
+                  <a:schemeClr val="bg1">
+                    <a:lumMod val="85000"/>
+                  </a:schemeClr>
+                </a:solidFill>
+                <a:prstDash val="solid"/>
+              </a:ln>
+              <a:effectLst>
+                <a:outerShdw blurRad="12700" dist="38100" dir="2700000" algn="tl" rotWithShape="0">
+                  <a:schemeClr val="bg1">
+                    <a:lumMod val="50000"/>
+                  </a:schemeClr>
+                </a:outerShdw>
+              </a:effectLst>
+              <a:latin typeface="French Script MT" panose="03020402040607040605" pitchFamily="66" charset="0"/>
+              <a:ea typeface="iekie Goth" pitchFamily="2" charset="0"/>
+              <a:cs typeface="iekie Goth" pitchFamily="2" charset="0"/>
+            </a:endParaRPr>
+          </a:p>
+        </p:txBody>
+      </p:sp>
+    </p:spTree>
+    <p:extLst>
+      <p:ext uri="{BB962C8B-B14F-4D97-AF65-F5344CB8AC3E}">
+        <p14:creationId xmlns:p14="http://schemas.microsoft.com/office/powerpoint/2010/main" val="1194312890"/>
+      </p:ext>
+    </p:extLst>
+  </p:cSld>
+  <p:clrMapOvr>
+    <a:masterClrMapping/>
+  </p:clrMapOvr>
+  <p:timing>
+    <p:tnLst>
+      <p:par>
+        <p:cTn id="1" dur="indefinite" restart="never" nodeType="tmRoot"/>
+      </p:par>
+    </p:tnLst>
+  </p:timing>
+</p:sld>
+</file>
+
+<file path=ppt/slides/slide4.xml><?xml version="1.0" encoding="utf-8"?>
+<p:sld xmlns:a="http://schemas.openxmlformats.org/drawingml/2006/main" xmlns:r="http://schemas.openxmlformats.org/officeDocument/2006/relationships" xmlns:p="http://schemas.openxmlformats.org/presentationml/2006/main">
+  <p:cSld>
+    <p:spTree>
+      <p:nvGrpSpPr>
+        <p:cNvPr id="1" name=""/>
+        <p:cNvGrpSpPr/>
+        <p:nvPr/>
+      </p:nvGrpSpPr>
+      <p:grpSpPr>
+        <a:xfrm>
+          <a:off x="0" y="0"/>
+          <a:ext cx="0" cy="0"/>
+          <a:chOff x="0" y="0"/>
+          <a:chExt cx="0" cy="0"/>
+        </a:xfrm>
+      </p:grpSpPr>
+      <p:sp>
+        <p:nvSpPr>
+          <p:cNvPr id="3" name="Rectangle 2"/>
+          <p:cNvSpPr/>
+          <p:nvPr/>
+        </p:nvSpPr>
+        <p:spPr>
+          <a:xfrm>
+            <a:off x="-1066800" y="-2006600"/>
+            <a:ext cx="17280000" cy="9072000"/>
+          </a:xfrm>
+          <a:prstGeom prst="rect">
+            <a:avLst/>
+          </a:prstGeom>
+          <a:solidFill>
+            <a:srgbClr val="F2F4F5"/>
+          </a:solidFill>
+          <a:ln>
+            <a:solidFill>
+              <a:srgbClr val="F2F4F5"/>
+            </a:solidFill>
+          </a:ln>
+        </p:spPr>
+        <p:style>
+          <a:lnRef idx="2">
+            <a:schemeClr val="accent1">
+              <a:shade val="50000"/>
+            </a:schemeClr>
+          </a:lnRef>
+          <a:fillRef idx="1">
+            <a:schemeClr val="accent1"/>
+          </a:fillRef>
+          <a:effectRef idx="0">
+            <a:schemeClr val="accent1"/>
+          </a:effectRef>
+          <a:fontRef idx="minor">
+            <a:schemeClr val="lt1"/>
+          </a:fontRef>
+        </p:style>
+        <p:txBody>
+          <a:bodyPr rtlCol="0" anchor="ctr"/>
+          <a:lstStyle/>
+          <a:p>
+            <a:pPr algn="ctr"/>
+            <a:endParaRPr lang="en-US"/>
+          </a:p>
+        </p:txBody>
+      </p:sp>
+      <p:pic>
+        <p:nvPicPr>
+          <p:cNvPr id="2" name="Picture 1"/>
+          <p:cNvPicPr>
+            <a:picLocks noChangeAspect="1"/>
+          </p:cNvPicPr>
+          <p:nvPr/>
+        </p:nvPicPr>
+        <p:blipFill>
+          <a:blip r:embed="rId2">
+            <a:extLst>
+              <a:ext uri="{28A0092B-C50C-407E-A947-70E740481C1C}">
+                <a14:useLocalDpi xmlns:a14="http://schemas.microsoft.com/office/drawing/2010/main" val="0"/>
+              </a:ext>
+            </a:extLst>
+          </a:blip>
+          <a:stretch>
+            <a:fillRect/>
+          </a:stretch>
+        </p:blipFill>
+        <p:spPr>
+          <a:xfrm>
+            <a:off x="-1066800" y="345000"/>
+            <a:ext cx="8737600" cy="4368800"/>
+          </a:xfrm>
+          <a:prstGeom prst="rect">
+            <a:avLst/>
+          </a:prstGeom>
+        </p:spPr>
+      </p:pic>
+      <p:sp>
+        <p:nvSpPr>
+          <p:cNvPr id="4" name="TextBox 3"/>
+          <p:cNvSpPr txBox="1"/>
+          <p:nvPr/>
+        </p:nvSpPr>
+        <p:spPr>
+          <a:xfrm>
+            <a:off x="7344698" y="821240"/>
+            <a:ext cx="8868502" cy="3754874"/>
+          </a:xfrm>
+          <a:prstGeom prst="rect">
+            <a:avLst/>
+          </a:prstGeom>
+          <a:noFill/>
+        </p:spPr>
+        <p:txBody>
+          <a:bodyPr wrap="square" rtlCol="0">
+            <a:spAutoFit/>
+          </a:bodyPr>
+          <a:lstStyle/>
+          <a:p>
+            <a:r>
+              <a:rPr lang="en-US" sz="13800" b="1" dirty="0" smtClean="0">
+                <a:ln w="9525">
+                  <a:solidFill>
+                    <a:schemeClr val="bg1">
+                      <a:lumMod val="85000"/>
+                    </a:schemeClr>
+                  </a:solidFill>
+                  <a:prstDash val="solid"/>
+                </a:ln>
+                <a:effectLst>
+                  <a:outerShdw blurRad="12700" dist="38100" dir="2700000" algn="tl" rotWithShape="0">
+                    <a:schemeClr val="bg1">
+                      <a:lumMod val="50000"/>
+                    </a:schemeClr>
+                  </a:outerShdw>
+                </a:effectLst>
+                <a:latin typeface="French Script MT" panose="03020402040607040605" pitchFamily="66" charset="0"/>
+                <a:ea typeface="iekie Goth" pitchFamily="2" charset="0"/>
+                <a:cs typeface="iekie Goth" pitchFamily="2" charset="0"/>
+              </a:rPr>
+              <a:t>I’m Elpis</a:t>
+            </a:r>
+          </a:p>
+          <a:p>
+            <a:endParaRPr lang="en-US" sz="2800" b="1" dirty="0" smtClean="0">
+              <a:ln w="9525">
+                <a:solidFill>
+                  <a:schemeClr val="bg1">
+                    <a:lumMod val="85000"/>
+                  </a:schemeClr>
+                </a:solidFill>
+                <a:prstDash val="solid"/>
+              </a:ln>
+              <a:effectLst>
+                <a:outerShdw blurRad="12700" dist="38100" dir="2700000" algn="tl" rotWithShape="0">
+                  <a:schemeClr val="bg1">
+                    <a:lumMod val="50000"/>
+                  </a:schemeClr>
+                </a:outerShdw>
+              </a:effectLst>
+              <a:latin typeface="French Script MT" panose="03020402040607040605" pitchFamily="66" charset="0"/>
+              <a:ea typeface="iekie Goth" pitchFamily="2" charset="0"/>
+              <a:cs typeface="iekie Goth" pitchFamily="2" charset="0"/>
+            </a:endParaRPr>
+          </a:p>
+          <a:p>
+            <a:r>
+              <a:rPr lang="en-US" sz="7200" b="1" dirty="0" smtClean="0">
+                <a:ln w="9525">
+                  <a:solidFill>
+                    <a:schemeClr val="bg1">
+                      <a:lumMod val="85000"/>
+                    </a:schemeClr>
+                  </a:solidFill>
+                  <a:prstDash val="solid"/>
+                </a:ln>
+                <a:effectLst>
+                  <a:outerShdw blurRad="12700" dist="38100" dir="2700000" algn="tl" rotWithShape="0">
+                    <a:schemeClr val="bg1">
+                      <a:lumMod val="50000"/>
+                    </a:schemeClr>
+                  </a:outerShdw>
+                </a:effectLst>
+                <a:latin typeface="French Script MT" panose="03020402040607040605" pitchFamily="66" charset="0"/>
+                <a:ea typeface="iekie Goth" pitchFamily="2" charset="0"/>
+                <a:cs typeface="iekie Goth" pitchFamily="2" charset="0"/>
+              </a:rPr>
+              <a:t>Check out the services I render</a:t>
+            </a:r>
+            <a:endParaRPr lang="en-US" sz="8000" b="1" dirty="0">
+              <a:ln w="9525">
+                <a:solidFill>
+                  <a:schemeClr val="bg1">
+                    <a:lumMod val="85000"/>
+                  </a:schemeClr>
+                </a:solidFill>
+                <a:prstDash val="solid"/>
+              </a:ln>
+              <a:effectLst>
+                <a:outerShdw blurRad="12700" dist="38100" dir="2700000" algn="tl" rotWithShape="0">
+                  <a:schemeClr val="bg1">
+                    <a:lumMod val="50000"/>
+                  </a:schemeClr>
+                </a:outerShdw>
+              </a:effectLst>
+              <a:latin typeface="French Script MT" panose="03020402040607040605" pitchFamily="66" charset="0"/>
+              <a:ea typeface="iekie Goth" pitchFamily="2" charset="0"/>
+              <a:cs typeface="iekie Goth" pitchFamily="2" charset="0"/>
+            </a:endParaRPr>
+          </a:p>
+        </p:txBody>
+      </p:sp>
+    </p:spTree>
+    <p:extLst>
+      <p:ext uri="{BB962C8B-B14F-4D97-AF65-F5344CB8AC3E}">
+        <p14:creationId xmlns:p14="http://schemas.microsoft.com/office/powerpoint/2010/main" val="607758646"/>
+      </p:ext>
+    </p:extLst>
+  </p:cSld>
+  <p:clrMapOvr>
+    <a:masterClrMapping/>
+  </p:clrMapOvr>
+  <p:timing>
+    <p:tnLst>
+      <p:par>
+        <p:cTn id="1" dur="indefinite" restart="never" nodeType="tmRoot"/>
+      </p:par>
+    </p:tnLst>
+  </p:timing>
+</p:sld>
+</file>
+
+<file path=ppt/slides/slide5.xml><?xml version="1.0" encoding="utf-8"?>
+<p:sld xmlns:a="http://schemas.openxmlformats.org/drawingml/2006/main" xmlns:r="http://schemas.openxmlformats.org/officeDocument/2006/relationships" xmlns:p="http://schemas.openxmlformats.org/presentationml/2006/main">
+  <p:cSld>
+    <p:spTree>
+      <p:nvGrpSpPr>
+        <p:cNvPr id="1" name=""/>
+        <p:cNvGrpSpPr/>
+        <p:nvPr/>
+      </p:nvGrpSpPr>
+      <p:grpSpPr>
+        <a:xfrm>
+          <a:off x="0" y="0"/>
+          <a:ext cx="0" cy="0"/>
+          <a:chOff x="0" y="0"/>
+          <a:chExt cx="0" cy="0"/>
+        </a:xfrm>
+      </p:grpSpPr>
+      <p:sp>
+        <p:nvSpPr>
+          <p:cNvPr id="3" name="Rectangle 2"/>
+          <p:cNvSpPr/>
+          <p:nvPr/>
+        </p:nvSpPr>
+        <p:spPr>
+          <a:xfrm>
+            <a:off x="-1066800" y="-2006600"/>
+            <a:ext cx="17280000" cy="9072000"/>
+          </a:xfrm>
+          <a:prstGeom prst="rect">
+            <a:avLst/>
+          </a:prstGeom>
+          <a:solidFill>
+            <a:srgbClr val="F2F4F5"/>
+          </a:solidFill>
+          <a:ln>
+            <a:solidFill>
+              <a:srgbClr val="F2F4F5"/>
+            </a:solidFill>
+          </a:ln>
+        </p:spPr>
+        <p:style>
+          <a:lnRef idx="2">
+            <a:schemeClr val="accent1">
+              <a:shade val="50000"/>
+            </a:schemeClr>
+          </a:lnRef>
+          <a:fillRef idx="1">
+            <a:schemeClr val="accent1"/>
+          </a:fillRef>
+          <a:effectRef idx="0">
+            <a:schemeClr val="accent1"/>
+          </a:effectRef>
+          <a:fontRef idx="minor">
+            <a:schemeClr val="lt1"/>
+          </a:fontRef>
+        </p:style>
+        <p:txBody>
+          <a:bodyPr rtlCol="0" anchor="ctr"/>
+          <a:lstStyle/>
+          <a:p>
+            <a:pPr algn="ctr"/>
+            <a:endParaRPr lang="en-US"/>
+          </a:p>
+        </p:txBody>
+      </p:sp>
+      <p:pic>
+        <p:nvPicPr>
+          <p:cNvPr id="2" name="Picture 1"/>
+          <p:cNvPicPr>
+            <a:picLocks noChangeAspect="1"/>
+          </p:cNvPicPr>
+          <p:nvPr/>
+        </p:nvPicPr>
+        <p:blipFill>
+          <a:blip r:embed="rId2">
+            <a:extLst>
+              <a:ext uri="{28A0092B-C50C-407E-A947-70E740481C1C}">
+                <a14:useLocalDpi xmlns:a14="http://schemas.microsoft.com/office/drawing/2010/main" val="0"/>
+              </a:ext>
+            </a:extLst>
+          </a:blip>
+          <a:stretch>
+            <a:fillRect/>
+          </a:stretch>
+        </p:blipFill>
+        <p:spPr>
+          <a:xfrm>
+            <a:off x="-1066800" y="345000"/>
+            <a:ext cx="8737600" cy="4368800"/>
+          </a:xfrm>
+          <a:prstGeom prst="rect">
+            <a:avLst/>
+          </a:prstGeom>
+        </p:spPr>
+      </p:pic>
+      <p:sp>
+        <p:nvSpPr>
+          <p:cNvPr id="4" name="TextBox 3"/>
+          <p:cNvSpPr txBox="1"/>
+          <p:nvPr/>
+        </p:nvSpPr>
+        <p:spPr>
+          <a:xfrm>
+            <a:off x="7344698" y="821240"/>
+            <a:ext cx="8868502" cy="3877985"/>
+          </a:xfrm>
+          <a:prstGeom prst="rect">
+            <a:avLst/>
+          </a:prstGeom>
+          <a:noFill/>
+        </p:spPr>
+        <p:txBody>
+          <a:bodyPr wrap="square" rtlCol="0">
+            <a:spAutoFit/>
+          </a:bodyPr>
+          <a:lstStyle/>
+          <a:p>
+            <a:r>
+              <a:rPr lang="en-US" sz="13800" b="1" dirty="0" smtClean="0">
+                <a:ln w="9525">
+                  <a:solidFill>
+                    <a:schemeClr val="bg1">
+                      <a:lumMod val="85000"/>
+                    </a:schemeClr>
+                  </a:solidFill>
+                  <a:prstDash val="solid"/>
+                </a:ln>
+                <a:effectLst>
+                  <a:outerShdw blurRad="12700" dist="38100" dir="2700000" algn="tl" rotWithShape="0">
+                    <a:schemeClr val="bg1">
+                      <a:lumMod val="50000"/>
+                    </a:schemeClr>
+                  </a:outerShdw>
+                </a:effectLst>
+                <a:latin typeface="French Script MT" panose="03020402040607040605" pitchFamily="66" charset="0"/>
+                <a:ea typeface="iekie Goth" pitchFamily="2" charset="0"/>
+                <a:cs typeface="iekie Goth" pitchFamily="2" charset="0"/>
+              </a:rPr>
+              <a:t>I’m Elpis</a:t>
+            </a:r>
+          </a:p>
+          <a:p>
+            <a:endParaRPr lang="en-US" sz="2800" b="1" dirty="0" smtClean="0">
+              <a:ln w="9525">
+                <a:solidFill>
+                  <a:schemeClr val="bg1">
+                    <a:lumMod val="85000"/>
+                  </a:schemeClr>
+                </a:solidFill>
+                <a:prstDash val="solid"/>
+              </a:ln>
+              <a:effectLst>
+                <a:outerShdw blurRad="12700" dist="38100" dir="2700000" algn="tl" rotWithShape="0">
+                  <a:schemeClr val="bg1">
+                    <a:lumMod val="50000"/>
+                  </a:schemeClr>
+                </a:outerShdw>
+              </a:effectLst>
+              <a:latin typeface="French Script MT" panose="03020402040607040605" pitchFamily="66" charset="0"/>
+              <a:ea typeface="iekie Goth" pitchFamily="2" charset="0"/>
+              <a:cs typeface="iekie Goth" pitchFamily="2" charset="0"/>
+            </a:endParaRPr>
+          </a:p>
+          <a:p>
+            <a:r>
+              <a:rPr lang="en-US" sz="8000" b="1" dirty="0" smtClean="0">
+                <a:ln w="9525">
+                  <a:solidFill>
+                    <a:schemeClr val="bg1">
+                      <a:lumMod val="85000"/>
+                    </a:schemeClr>
+                  </a:solidFill>
+                  <a:prstDash val="solid"/>
+                </a:ln>
+                <a:effectLst>
+                  <a:outerShdw blurRad="12700" dist="38100" dir="2700000" algn="tl" rotWithShape="0">
+                    <a:schemeClr val="bg1">
+                      <a:lumMod val="50000"/>
+                    </a:schemeClr>
+                  </a:outerShdw>
+                </a:effectLst>
+                <a:latin typeface="French Script MT" panose="03020402040607040605" pitchFamily="66" charset="0"/>
+                <a:ea typeface="iekie Goth" pitchFamily="2" charset="0"/>
+                <a:cs typeface="iekie Goth" pitchFamily="2" charset="0"/>
+              </a:rPr>
+              <a:t>A little biography about me</a:t>
+            </a:r>
+            <a:endParaRPr lang="en-US" sz="8000" b="1" dirty="0">
+              <a:ln w="9525">
+                <a:solidFill>
+                  <a:schemeClr val="bg1">
+                    <a:lumMod val="85000"/>
+                  </a:schemeClr>
+                </a:solidFill>
+                <a:prstDash val="solid"/>
+              </a:ln>
+              <a:effectLst>
+                <a:outerShdw blurRad="12700" dist="38100" dir="2700000" algn="tl" rotWithShape="0">
+                  <a:schemeClr val="bg1">
+                    <a:lumMod val="50000"/>
+                  </a:schemeClr>
+                </a:outerShdw>
+              </a:effectLst>
+              <a:latin typeface="French Script MT" panose="03020402040607040605" pitchFamily="66" charset="0"/>
+              <a:ea typeface="iekie Goth" pitchFamily="2" charset="0"/>
+              <a:cs typeface="iekie Goth" pitchFamily="2" charset="0"/>
+            </a:endParaRPr>
+          </a:p>
+        </p:txBody>
+      </p:sp>
+    </p:spTree>
+    <p:extLst>
+      <p:ext uri="{BB962C8B-B14F-4D97-AF65-F5344CB8AC3E}">
+        <p14:creationId xmlns:p14="http://schemas.microsoft.com/office/powerpoint/2010/main" val="3613845297"/>
+      </p:ext>
+    </p:extLst>
+  </p:cSld>
+  <p:clrMapOvr>
+    <a:masterClrMapping/>
+  </p:clrMapOvr>
+  <p:timing>
+    <p:tnLst>
+      <p:par>
+        <p:cTn id="1" dur="indefinite" restart="never" nodeType="tmRoot"/>
+      </p:par>
+    </p:tnLst>
+  </p:timing>
+</p:sld>
+</file>
+
+<file path=ppt/slides/slide6.xml><?xml version="1.0" encoding="utf-8"?>
+<p:sld xmlns:a="http://schemas.openxmlformats.org/drawingml/2006/main" xmlns:r="http://schemas.openxmlformats.org/officeDocument/2006/relationships" xmlns:p="http://schemas.openxmlformats.org/presentationml/2006/main">
+  <p:cSld>
+    <p:spTree>
+      <p:nvGrpSpPr>
+        <p:cNvPr id="1" name=""/>
+        <p:cNvGrpSpPr/>
+        <p:nvPr/>
+      </p:nvGrpSpPr>
+      <p:grpSpPr>
+        <a:xfrm>
+          <a:off x="0" y="0"/>
+          <a:ext cx="0" cy="0"/>
+          <a:chOff x="0" y="0"/>
+          <a:chExt cx="0" cy="0"/>
+        </a:xfrm>
+      </p:grpSpPr>
+      <p:sp>
+        <p:nvSpPr>
+          <p:cNvPr id="3" name="Rectangle 2"/>
+          <p:cNvSpPr/>
+          <p:nvPr/>
+        </p:nvSpPr>
+        <p:spPr>
+          <a:xfrm>
+            <a:off x="-1066800" y="-2214000"/>
+            <a:ext cx="17280000" cy="9072000"/>
+          </a:xfrm>
+          <a:prstGeom prst="rect">
+            <a:avLst/>
+          </a:prstGeom>
+          <a:solidFill>
+            <a:srgbClr val="F2F4F5"/>
+          </a:solidFill>
+          <a:ln>
+            <a:solidFill>
+              <a:srgbClr val="F2F4F5"/>
+            </a:solidFill>
+          </a:ln>
+        </p:spPr>
+        <p:style>
+          <a:lnRef idx="2">
+            <a:schemeClr val="accent1">
+              <a:shade val="50000"/>
+            </a:schemeClr>
+          </a:lnRef>
+          <a:fillRef idx="1">
+            <a:schemeClr val="accent1"/>
+          </a:fillRef>
+          <a:effectRef idx="0">
+            <a:schemeClr val="accent1"/>
+          </a:effectRef>
+          <a:fontRef idx="minor">
+            <a:schemeClr val="lt1"/>
+          </a:fontRef>
+        </p:style>
+        <p:txBody>
+          <a:bodyPr rtlCol="0" anchor="ctr"/>
+          <a:lstStyle/>
+          <a:p>
+            <a:pPr algn="ctr"/>
+            <a:endParaRPr lang="en-US"/>
+          </a:p>
+        </p:txBody>
+      </p:sp>
+      <p:pic>
+        <p:nvPicPr>
+          <p:cNvPr id="2" name="Picture 1"/>
+          <p:cNvPicPr>
+            <a:picLocks noChangeAspect="1"/>
+          </p:cNvPicPr>
+          <p:nvPr/>
+        </p:nvPicPr>
+        <p:blipFill>
+          <a:blip r:embed="rId2">
+            <a:extLst>
+              <a:ext uri="{28A0092B-C50C-407E-A947-70E740481C1C}">
+                <a14:useLocalDpi xmlns:a14="http://schemas.microsoft.com/office/drawing/2010/main" val="0"/>
+              </a:ext>
+            </a:extLst>
+          </a:blip>
+          <a:stretch>
+            <a:fillRect/>
+          </a:stretch>
+        </p:blipFill>
+        <p:spPr>
+          <a:xfrm>
+            <a:off x="-1066800" y="345000"/>
+            <a:ext cx="8737600" cy="4368800"/>
+          </a:xfrm>
+          <a:prstGeom prst="rect">
+            <a:avLst/>
+          </a:prstGeom>
+        </p:spPr>
+      </p:pic>
+      <p:sp>
+        <p:nvSpPr>
+          <p:cNvPr id="4" name="TextBox 3"/>
+          <p:cNvSpPr txBox="1"/>
+          <p:nvPr/>
+        </p:nvSpPr>
+        <p:spPr>
+          <a:xfrm>
+            <a:off x="7344698" y="-232546"/>
+            <a:ext cx="8868502" cy="5109091"/>
+          </a:xfrm>
+          <a:prstGeom prst="rect">
+            <a:avLst/>
+          </a:prstGeom>
+          <a:noFill/>
+        </p:spPr>
+        <p:txBody>
+          <a:bodyPr wrap="square" rtlCol="0">
+            <a:spAutoFit/>
+          </a:bodyPr>
+          <a:lstStyle/>
+          <a:p>
+            <a:r>
+              <a:rPr lang="en-US" sz="13800" b="1" dirty="0" smtClean="0">
+                <a:ln w="9525">
+                  <a:solidFill>
+                    <a:schemeClr val="bg1">
+                      <a:lumMod val="85000"/>
+                    </a:schemeClr>
+                  </a:solidFill>
+                  <a:prstDash val="solid"/>
+                </a:ln>
+                <a:effectLst>
+                  <a:outerShdw blurRad="12700" dist="38100" dir="2700000" algn="tl" rotWithShape="0">
+                    <a:schemeClr val="bg1">
+                      <a:lumMod val="50000"/>
+                    </a:schemeClr>
+                  </a:outerShdw>
+                </a:effectLst>
+                <a:latin typeface="French Script MT" panose="03020402040607040605" pitchFamily="66" charset="0"/>
+                <a:ea typeface="iekie Goth" pitchFamily="2" charset="0"/>
+                <a:cs typeface="iekie Goth" pitchFamily="2" charset="0"/>
+              </a:rPr>
+              <a:t>I’m Elpis</a:t>
+            </a:r>
+          </a:p>
+          <a:p>
+            <a:endParaRPr lang="en-US" sz="2800" b="1" dirty="0" smtClean="0">
+              <a:ln w="9525">
+                <a:solidFill>
+                  <a:schemeClr val="bg1">
+                    <a:lumMod val="85000"/>
+                  </a:schemeClr>
+                </a:solidFill>
+                <a:prstDash val="solid"/>
+              </a:ln>
+              <a:effectLst>
+                <a:outerShdw blurRad="12700" dist="38100" dir="2700000" algn="tl" rotWithShape="0">
+                  <a:schemeClr val="bg1">
+                    <a:lumMod val="50000"/>
+                  </a:schemeClr>
+                </a:outerShdw>
+              </a:effectLst>
+              <a:latin typeface="French Script MT" panose="03020402040607040605" pitchFamily="66" charset="0"/>
+              <a:ea typeface="iekie Goth" pitchFamily="2" charset="0"/>
+              <a:cs typeface="iekie Goth" pitchFamily="2" charset="0"/>
+            </a:endParaRPr>
+          </a:p>
+          <a:p>
+            <a:r>
+              <a:rPr lang="en-US" sz="8000" b="1" dirty="0" smtClean="0">
+                <a:ln w="9525">
+                  <a:solidFill>
+                    <a:schemeClr val="bg1">
+                      <a:lumMod val="85000"/>
+                    </a:schemeClr>
+                  </a:solidFill>
+                  <a:prstDash val="solid"/>
+                </a:ln>
+                <a:effectLst>
+                  <a:outerShdw blurRad="12700" dist="38100" dir="2700000" algn="tl" rotWithShape="0">
+                    <a:schemeClr val="bg1">
+                      <a:lumMod val="50000"/>
+                    </a:schemeClr>
+                  </a:outerShdw>
+                </a:effectLst>
+                <a:latin typeface="French Script MT" panose="03020402040607040605" pitchFamily="66" charset="0"/>
+                <a:ea typeface="iekie Goth" pitchFamily="2" charset="0"/>
+                <a:cs typeface="iekie Goth" pitchFamily="2" charset="0"/>
+              </a:rPr>
+              <a:t>Contact me through any of the provided platforms</a:t>
+            </a:r>
+            <a:endParaRPr lang="en-US" sz="8000" b="1" dirty="0">
+              <a:ln w="9525">
+                <a:solidFill>
+                  <a:schemeClr val="bg1">
+                    <a:lumMod val="85000"/>
+                  </a:schemeClr>
+                </a:solidFill>
+                <a:prstDash val="solid"/>
+              </a:ln>
+              <a:effectLst>
+                <a:outerShdw blurRad="12700" dist="38100" dir="2700000" algn="tl" rotWithShape="0">
+                  <a:schemeClr val="bg1">
+                    <a:lumMod val="50000"/>
+                  </a:schemeClr>
+                </a:outerShdw>
+              </a:effectLst>
+              <a:latin typeface="French Script MT" panose="03020402040607040605" pitchFamily="66" charset="0"/>
+              <a:ea typeface="iekie Goth" pitchFamily="2" charset="0"/>
+              <a:cs typeface="iekie Goth" pitchFamily="2" charset="0"/>
+            </a:endParaRPr>
+          </a:p>
+        </p:txBody>
+      </p:sp>
+    </p:spTree>
+    <p:extLst>
+      <p:ext uri="{BB962C8B-B14F-4D97-AF65-F5344CB8AC3E}">
+        <p14:creationId xmlns:p14="http://schemas.microsoft.com/office/powerpoint/2010/main" val="1895029528"/>
+      </p:ext>
+    </p:extLst>
+  </p:cSld>
+  <p:clrMapOvr>
+    <a:masterClrMapping/>
+  </p:clrMapOvr>
+  <p:timing>
+    <p:tnLst>
+      <p:par>
+        <p:cTn id="1" dur="indefinite" restart="never" nodeType="tmRoot"/>
+      </p:par>
+    </p:tnLst>
+  </p:timing>
+</p:sld>
+</file>
+
 <file path=ppt/theme/theme1.xml><?xml version="1.0" encoding="utf-8"?>
 <a:theme xmlns:a="http://schemas.openxmlformats.org/drawingml/2006/main" name="Office Theme">
   <a:themeElements>
